--- a/CalendarioAgo24/presentaciones/15_POO_Encapsulamiento.pptx
+++ b/CalendarioAgo24/presentaciones/15_POO_Encapsulamiento.pptx
@@ -215,7 +215,7 @@
           <a:p>
             <a:fld id="{DDE721D5-655F-45D2-B717-3C4CD78C8568}" type="datetimeFigureOut">
               <a:rPr lang="es-MX" smtClean="0"/>
-              <a:t>03/03/2023</a:t>
+              <a:t>23/08/2024</a:t>
             </a:fld>
             <a:endParaRPr lang="es-MX" dirty="0"/>
           </a:p>
@@ -374,7 +374,7 @@
           <a:p>
             <a:fld id="{6BAB4312-99A1-4CE9-ACE7-4C62E9FD90EE}" type="slidenum">
               <a:rPr lang="es-MX" smtClean="0"/>
-              <a:t>‹Nº›</a:t>
+              <a:t>‹#›</a:t>
             </a:fld>
             <a:endParaRPr lang="es-MX" dirty="0"/>
           </a:p>
@@ -664,7 +664,7 @@
           <a:p>
             <a:fld id="{B3F3E716-CACC-4490-AD07-F24B6A68DE47}" type="datetimeFigureOut">
               <a:rPr lang="es-MX" smtClean="0"/>
-              <a:t>03/03/2023</a:t>
+              <a:t>23/08/2024</a:t>
             </a:fld>
             <a:endParaRPr lang="es-MX" dirty="0"/>
           </a:p>
@@ -706,7 +706,7 @@
           <a:p>
             <a:fld id="{52A58D3C-5A37-463D-B2C9-8DF65AE0B01C}" type="slidenum">
               <a:rPr lang="es-MX" smtClean="0"/>
-              <a:t>‹Nº›</a:t>
+              <a:t>‹#›</a:t>
             </a:fld>
             <a:endParaRPr lang="es-MX" dirty="0"/>
           </a:p>
@@ -834,7 +834,7 @@
           <a:p>
             <a:fld id="{B3F3E716-CACC-4490-AD07-F24B6A68DE47}" type="datetimeFigureOut">
               <a:rPr lang="es-MX" smtClean="0"/>
-              <a:t>03/03/2023</a:t>
+              <a:t>23/08/2024</a:t>
             </a:fld>
             <a:endParaRPr lang="es-MX" dirty="0"/>
           </a:p>
@@ -876,7 +876,7 @@
           <a:p>
             <a:fld id="{52A58D3C-5A37-463D-B2C9-8DF65AE0B01C}" type="slidenum">
               <a:rPr lang="es-MX" smtClean="0"/>
-              <a:t>‹Nº›</a:t>
+              <a:t>‹#›</a:t>
             </a:fld>
             <a:endParaRPr lang="es-MX" dirty="0"/>
           </a:p>
@@ -1014,7 +1014,7 @@
           <a:p>
             <a:fld id="{B3F3E716-CACC-4490-AD07-F24B6A68DE47}" type="datetimeFigureOut">
               <a:rPr lang="es-MX" smtClean="0"/>
-              <a:t>03/03/2023</a:t>
+              <a:t>23/08/2024</a:t>
             </a:fld>
             <a:endParaRPr lang="es-MX" dirty="0"/>
           </a:p>
@@ -1056,7 +1056,7 @@
           <a:p>
             <a:fld id="{52A58D3C-5A37-463D-B2C9-8DF65AE0B01C}" type="slidenum">
               <a:rPr lang="es-MX" smtClean="0"/>
-              <a:t>‹Nº›</a:t>
+              <a:t>‹#›</a:t>
             </a:fld>
             <a:endParaRPr lang="es-MX" dirty="0"/>
           </a:p>
@@ -1167,7 +1167,7 @@
           <a:p>
             <a:fld id="{1D8BD707-D9CF-40AE-B4C6-C98DA3205C09}" type="datetimeFigureOut">
               <a:rPr lang="en-US" smtClean="0"/>
-              <a:t>3/3/2023</a:t>
+              <a:t>8/23/2024</a:t>
             </a:fld>
             <a:endParaRPr lang="en-US" dirty="0"/>
           </a:p>
@@ -1197,7 +1197,7 @@
                 <a:cs typeface="Calibri"/>
               </a:rPr>
               <a:pPr marL="25400"/>
-              <a:t>‹Nº›</a:t>
+              <a:t>‹#›</a:t>
             </a:fld>
             <a:endParaRPr lang="es-MX" dirty="0">
               <a:cs typeface="Calibri"/>
@@ -1496,7 +1496,7 @@
             <a:fld id="{D829B6A8-D253-4D4B-A3FA-70749FCD26F0}" type="slidenum">
               <a:rPr lang="es-ES" altLang="es-MX"/>
               <a:pPr/>
-              <a:t>‹Nº›</a:t>
+              <a:t>‹#›</a:t>
             </a:fld>
             <a:endParaRPr lang="es-ES" altLang="es-MX" dirty="0"/>
           </a:p>
@@ -1624,7 +1624,7 @@
           <a:p>
             <a:fld id="{B3F3E716-CACC-4490-AD07-F24B6A68DE47}" type="datetimeFigureOut">
               <a:rPr lang="es-MX" smtClean="0"/>
-              <a:t>03/03/2023</a:t>
+              <a:t>23/08/2024</a:t>
             </a:fld>
             <a:endParaRPr lang="es-MX" dirty="0"/>
           </a:p>
@@ -1666,7 +1666,7 @@
           <a:p>
             <a:fld id="{52A58D3C-5A37-463D-B2C9-8DF65AE0B01C}" type="slidenum">
               <a:rPr lang="es-MX" smtClean="0"/>
-              <a:t>‹Nº›</a:t>
+              <a:t>‹#›</a:t>
             </a:fld>
             <a:endParaRPr lang="es-MX" dirty="0"/>
           </a:p>
@@ -1870,7 +1870,7 @@
           <a:p>
             <a:fld id="{B3F3E716-CACC-4490-AD07-F24B6A68DE47}" type="datetimeFigureOut">
               <a:rPr lang="es-MX" smtClean="0"/>
-              <a:t>03/03/2023</a:t>
+              <a:t>23/08/2024</a:t>
             </a:fld>
             <a:endParaRPr lang="es-MX" dirty="0"/>
           </a:p>
@@ -1912,7 +1912,7 @@
           <a:p>
             <a:fld id="{52A58D3C-5A37-463D-B2C9-8DF65AE0B01C}" type="slidenum">
               <a:rPr lang="es-MX" smtClean="0"/>
-              <a:t>‹Nº›</a:t>
+              <a:t>‹#›</a:t>
             </a:fld>
             <a:endParaRPr lang="es-MX" dirty="0"/>
           </a:p>
@@ -2158,7 +2158,7 @@
           <a:p>
             <a:fld id="{B3F3E716-CACC-4490-AD07-F24B6A68DE47}" type="datetimeFigureOut">
               <a:rPr lang="es-MX" smtClean="0"/>
-              <a:t>03/03/2023</a:t>
+              <a:t>23/08/2024</a:t>
             </a:fld>
             <a:endParaRPr lang="es-MX" dirty="0"/>
           </a:p>
@@ -2200,7 +2200,7 @@
           <a:p>
             <a:fld id="{52A58D3C-5A37-463D-B2C9-8DF65AE0B01C}" type="slidenum">
               <a:rPr lang="es-MX" smtClean="0"/>
-              <a:t>‹Nº›</a:t>
+              <a:t>‹#›</a:t>
             </a:fld>
             <a:endParaRPr lang="es-MX" dirty="0"/>
           </a:p>
@@ -2580,7 +2580,7 @@
           <a:p>
             <a:fld id="{B3F3E716-CACC-4490-AD07-F24B6A68DE47}" type="datetimeFigureOut">
               <a:rPr lang="es-MX" smtClean="0"/>
-              <a:t>03/03/2023</a:t>
+              <a:t>23/08/2024</a:t>
             </a:fld>
             <a:endParaRPr lang="es-MX" dirty="0"/>
           </a:p>
@@ -2622,7 +2622,7 @@
           <a:p>
             <a:fld id="{52A58D3C-5A37-463D-B2C9-8DF65AE0B01C}" type="slidenum">
               <a:rPr lang="es-MX" smtClean="0"/>
-              <a:t>‹Nº›</a:t>
+              <a:t>‹#›</a:t>
             </a:fld>
             <a:endParaRPr lang="es-MX" dirty="0"/>
           </a:p>
@@ -2698,7 +2698,7 @@
           <a:p>
             <a:fld id="{B3F3E716-CACC-4490-AD07-F24B6A68DE47}" type="datetimeFigureOut">
               <a:rPr lang="es-MX" smtClean="0"/>
-              <a:t>03/03/2023</a:t>
+              <a:t>23/08/2024</a:t>
             </a:fld>
             <a:endParaRPr lang="es-MX" dirty="0"/>
           </a:p>
@@ -2740,7 +2740,7 @@
           <a:p>
             <a:fld id="{52A58D3C-5A37-463D-B2C9-8DF65AE0B01C}" type="slidenum">
               <a:rPr lang="es-MX" smtClean="0"/>
-              <a:t>‹Nº›</a:t>
+              <a:t>‹#›</a:t>
             </a:fld>
             <a:endParaRPr lang="es-MX" dirty="0"/>
           </a:p>
@@ -2793,7 +2793,7 @@
           <a:p>
             <a:fld id="{B3F3E716-CACC-4490-AD07-F24B6A68DE47}" type="datetimeFigureOut">
               <a:rPr lang="es-MX" smtClean="0"/>
-              <a:t>03/03/2023</a:t>
+              <a:t>23/08/2024</a:t>
             </a:fld>
             <a:endParaRPr lang="es-MX" dirty="0"/>
           </a:p>
@@ -2835,7 +2835,7 @@
           <a:p>
             <a:fld id="{52A58D3C-5A37-463D-B2C9-8DF65AE0B01C}" type="slidenum">
               <a:rPr lang="es-MX" smtClean="0"/>
-              <a:t>‹Nº›</a:t>
+              <a:t>‹#›</a:t>
             </a:fld>
             <a:endParaRPr lang="es-MX" dirty="0"/>
           </a:p>
@@ -3070,7 +3070,7 @@
           <a:p>
             <a:fld id="{B3F3E716-CACC-4490-AD07-F24B6A68DE47}" type="datetimeFigureOut">
               <a:rPr lang="es-MX" smtClean="0"/>
-              <a:t>03/03/2023</a:t>
+              <a:t>23/08/2024</a:t>
             </a:fld>
             <a:endParaRPr lang="es-MX" dirty="0"/>
           </a:p>
@@ -3112,7 +3112,7 @@
           <a:p>
             <a:fld id="{52A58D3C-5A37-463D-B2C9-8DF65AE0B01C}" type="slidenum">
               <a:rPr lang="es-MX" smtClean="0"/>
-              <a:t>‹Nº›</a:t>
+              <a:t>‹#›</a:t>
             </a:fld>
             <a:endParaRPr lang="es-MX" dirty="0"/>
           </a:p>
@@ -3323,7 +3323,7 @@
           <a:p>
             <a:fld id="{B3F3E716-CACC-4490-AD07-F24B6A68DE47}" type="datetimeFigureOut">
               <a:rPr lang="es-MX" smtClean="0"/>
-              <a:t>03/03/2023</a:t>
+              <a:t>23/08/2024</a:t>
             </a:fld>
             <a:endParaRPr lang="es-MX" dirty="0"/>
           </a:p>
@@ -3365,7 +3365,7 @@
           <a:p>
             <a:fld id="{52A58D3C-5A37-463D-B2C9-8DF65AE0B01C}" type="slidenum">
               <a:rPr lang="es-MX" smtClean="0"/>
-              <a:t>‹Nº›</a:t>
+              <a:t>‹#›</a:t>
             </a:fld>
             <a:endParaRPr lang="es-MX" dirty="0"/>
           </a:p>
@@ -3536,7 +3536,7 @@
           <a:p>
             <a:fld id="{B3F3E716-CACC-4490-AD07-F24B6A68DE47}" type="datetimeFigureOut">
               <a:rPr lang="es-MX" smtClean="0"/>
-              <a:t>03/03/2023</a:t>
+              <a:t>23/08/2024</a:t>
             </a:fld>
             <a:endParaRPr lang="es-MX" dirty="0"/>
           </a:p>
@@ -3614,7 +3614,7 @@
           <a:p>
             <a:fld id="{52A58D3C-5A37-463D-B2C9-8DF65AE0B01C}" type="slidenum">
               <a:rPr lang="es-MX" smtClean="0"/>
-              <a:t>‹Nº›</a:t>
+              <a:t>‹#›</a:t>
             </a:fld>
             <a:endParaRPr lang="es-MX" dirty="0"/>
           </a:p>
@@ -5917,7 +5917,26 @@
                   </a:schemeClr>
                 </a:solidFill>
               </a:rPr>
-              <a:t>Los atributos de clase pueden ocultarse para que no sean accedidos desde fuera de la definición de una clase. Para ello, es necesario nombrar los atributos con un prefijo de doble subrayado: </a:t>
+              <a:t>Los </a:t>
+            </a:r>
+            <a:r>
+              <a:rPr lang="es-ES" sz="1600" b="1" dirty="0">
+                <a:solidFill>
+                  <a:srgbClr val="0070C0"/>
+                </a:solidFill>
+              </a:rPr>
+              <a:t>atributos de clase </a:t>
+            </a:r>
+            <a:r>
+              <a:rPr lang="es-ES" sz="1600" dirty="0">
+                <a:solidFill>
+                  <a:schemeClr val="tx1">
+                    <a:lumMod val="95000"/>
+                    <a:lumOff val="5000"/>
+                  </a:schemeClr>
+                </a:solidFill>
+              </a:rPr>
+              <a:t>pueden ocultarse para que no sean accedidos desde fuera de la definición de una clase. Para ello, es necesario nombrar los atributos con un prefijo de doble subrayado: </a:t>
             </a:r>
             <a:r>
               <a:rPr lang="es-ES" sz="1600" b="1" dirty="0">
@@ -8248,7 +8267,45 @@
                   </a:schemeClr>
                 </a:solidFill>
               </a:rPr>
-              <a:t>Cuando se trabajan con clases es recomendable crear atributos ocultos y utilizar métodos específicos para acceder a los mismos para establecer, obtener o borrar la información:</a:t>
+              <a:t>Cuando se trabajan con clases es recomendable crear </a:t>
+            </a:r>
+            <a:r>
+              <a:rPr lang="es-ES" sz="1600" b="1" dirty="0">
+                <a:solidFill>
+                  <a:srgbClr val="0070C0"/>
+                </a:solidFill>
+              </a:rPr>
+              <a:t>atributos ocultos </a:t>
+            </a:r>
+            <a:r>
+              <a:rPr lang="es-ES" sz="1600" dirty="0">
+                <a:solidFill>
+                  <a:schemeClr val="tx1">
+                    <a:lumMod val="95000"/>
+                    <a:lumOff val="5000"/>
+                  </a:schemeClr>
+                </a:solidFill>
+              </a:rPr>
+              <a:t>y utilizar </a:t>
+            </a:r>
+            <a:r>
+              <a:rPr lang="es-ES" sz="1600" b="1" dirty="0">
+                <a:solidFill>
+                  <a:srgbClr val="0070C0"/>
+                </a:solidFill>
+              </a:rPr>
+              <a:t>métodos</a:t>
+            </a:r>
+            <a:r>
+              <a:rPr lang="es-ES" sz="1600" dirty="0">
+                <a:solidFill>
+                  <a:schemeClr val="tx1">
+                    <a:lumMod val="95000"/>
+                    <a:lumOff val="5000"/>
+                  </a:schemeClr>
+                </a:solidFill>
+              </a:rPr>
+              <a:t> específicos para acceder a los mismos para establecer, obtener o borrar la información:</a:t>
             </a:r>
             <a:endParaRPr lang="es-ES" sz="1600" b="1" dirty="0">
               <a:solidFill>
